--- a/documents/Abhirup_PowerPoint_Presentation_Week13.pptx
+++ b/documents/Abhirup_PowerPoint_Presentation_Week13.pptx
@@ -116,7 +116,7 @@
   </p:defaultTextStyle>
   <p:extLst>
     <p:ext uri="{EFAFB233-063F-42B5-8137-9DF3F51BA10A}">
-      <p15:sldGuideLst xmlns:p15="http://schemas.microsoft.com/office/powerpoint/2012/main" xmlns=""/>
+      <p15:sldGuideLst xmlns="" xmlns:p15="http://schemas.microsoft.com/office/powerpoint/2012/main"/>
     </p:ext>
   </p:extLst>
 </p:presentation>
@@ -7430,7 +7430,25 @@
           <a:bodyPr/>
           <a:lstStyle/>
           <a:p>
-            <a:endParaRPr lang="en-US"/>
+            <a:r>
+              <a:rPr lang="en-US" dirty="0">
+                <a:hlinkClick r:id="rId3"/>
+              </a:rPr>
+              <a:t>https://</a:t>
+            </a:r>
+            <a:r>
+              <a:rPr lang="en-US" dirty="0" smtClean="0">
+                <a:hlinkClick r:id="rId3"/>
+              </a:rPr>
+              <a:t>www.youtube.com/watch?v=Q_f6Z0ZnewQ</a:t>
+            </a:r>
+            <a:endParaRPr lang="en-US" dirty="0" smtClean="0"/>
+          </a:p>
+          <a:p>
+            <a:pPr marL="0" indent="0">
+              <a:buNone/>
+            </a:pPr>
+            <a:endParaRPr lang="en-US" dirty="0"/>
           </a:p>
         </p:txBody>
       </p:sp>
@@ -7865,7 +7883,7 @@
   <a:extraClrSchemeLst/>
   <a:extLst>
     <a:ext uri="{05A4C25C-085E-4340-85A3-A5531E510DB2}">
-      <thm15:themeFamily xmlns:thm15="http://schemas.microsoft.com/office/thememl/2012/main" xmlns="" name="Celestial" id="{C4BB2A3D-0E93-4C5F-B0D2-9D3FCE089CC5}" vid="{42E5908D-19A2-46FD-89FA-638B126129EF}"/>
+      <thm15:themeFamily xmlns="" xmlns:thm15="http://schemas.microsoft.com/office/thememl/2012/main" name="Celestial" id="{C4BB2A3D-0E93-4C5F-B0D2-9D3FCE089CC5}" vid="{42E5908D-19A2-46FD-89FA-638B126129EF}"/>
     </a:ext>
   </a:extLst>
 </a:theme>
@@ -8160,7 +8178,7 @@
   <a:extraClrSchemeLst/>
   <a:extLst>
     <a:ext uri="{05A4C25C-085E-4340-85A3-A5531E510DB2}">
-      <thm15:themeFamily xmlns:thm15="http://schemas.microsoft.com/office/thememl/2012/main" xmlns="" name="Office Theme" id="{62F939B6-93AF-4DB8-9C6B-D6C7DFDC589F}" vid="{4A3C46E8-61CC-4603-A589-7422A47A8E4A}"/>
+      <thm15:themeFamily xmlns="" xmlns:thm15="http://schemas.microsoft.com/office/thememl/2012/main" name="Office Theme" id="{62F939B6-93AF-4DB8-9C6B-D6C7DFDC589F}" vid="{4A3C46E8-61CC-4603-A589-7422A47A8E4A}"/>
     </a:ext>
   </a:extLst>
 </a:theme>
